--- a/progressReportWinterTerm/SlidesForAlex.pptx
+++ b/progressReportWinterTerm/SlidesForAlex.pptx
@@ -6027,11 +6027,7 @@
           <a:p>
             <a:r>
               <a:rPr lang="en-US" dirty="0" smtClean="0"/>
-              <a:t>Responsibility #2: </a:t>
-            </a:r>
-            <a:r>
-              <a:rPr lang="en-US" dirty="0" smtClean="0"/>
-              <a:t>Screenshot, Instructions Page</a:t>
+              <a:t>Responsibility #2: Screenshot, Instructions Page</a:t>
             </a:r>
             <a:endParaRPr lang="en-US" dirty="0"/>
           </a:p>
@@ -6185,7 +6181,15 @@
           <a:p>
             <a:r>
               <a:rPr lang="en-US" dirty="0" smtClean="0"/>
-              <a:t>Responsibility #3: Screenshot, Purpose Page </a:t>
+              <a:t>Responsibility </a:t>
+            </a:r>
+            <a:r>
+              <a:rPr lang="en-US" dirty="0" smtClean="0"/>
+              <a:t>#2: </a:t>
+            </a:r>
+            <a:r>
+              <a:rPr lang="en-US" dirty="0" smtClean="0"/>
+              <a:t>Screenshot, Purpose Page </a:t>
             </a:r>
             <a:endParaRPr lang="en-US" dirty="0"/>
           </a:p>
@@ -6262,7 +6266,15 @@
           <a:p>
             <a:r>
               <a:rPr lang="en-US" dirty="0" smtClean="0"/>
-              <a:t>Responsibility #4: Screenshot, About Page</a:t>
+              <a:t>Responsibility </a:t>
+            </a:r>
+            <a:r>
+              <a:rPr lang="en-US" dirty="0" smtClean="0"/>
+              <a:t>#2: </a:t>
+            </a:r>
+            <a:r>
+              <a:rPr lang="en-US" dirty="0" smtClean="0"/>
+              <a:t>Screenshot, About Page</a:t>
             </a:r>
             <a:endParaRPr lang="en-US" dirty="0"/>
           </a:p>
@@ -6371,11 +6383,7 @@
           <a:p>
             <a:r>
               <a:rPr lang="en-US" dirty="0" smtClean="0"/>
-              <a:t>http</a:t>
-            </a:r>
-            <a:r>
-              <a:rPr lang="en-US" dirty="0" smtClean="0"/>
-              <a:t>://web.engr.oregonstate.edu/~hoffera/CapstoneProject/MachineLearnYourWayToMarchMadnessGlory.html</a:t>
+              <a:t>http://web.engr.oregonstate.edu/~hoffera/CapstoneProject/MachineLearnYourWayToMarchMadnessGlory.html</a:t>
             </a:r>
             <a:endParaRPr lang="en-US" dirty="0"/>
           </a:p>
@@ -6460,15 +6468,7 @@
             <a:pPr lvl="1"/>
             <a:r>
               <a:rPr lang="en-US" dirty="0" smtClean="0"/>
-              <a:t>Description of responsibility #3</a:t>
-            </a:r>
-            <a:r>
-              <a:rPr lang="en-US" dirty="0" smtClean="0"/>
-              <a:t>: Given a </a:t>
-            </a:r>
-            <a:r>
-              <a:rPr lang="en-US" dirty="0" smtClean="0"/>
-              <a:t>machine learned bracket of </a:t>
+              <a:t>Description of responsibility #3: Given a machine learned bracket of </a:t>
             </a:r>
             <a:r>
               <a:rPr lang="en-US" dirty="0" err="1" smtClean="0"/>
@@ -6478,7 +6478,6 @@
               <a:rPr lang="en-US" dirty="0" smtClean="0"/>
               <a:t> creation, format it to look nice</a:t>
             </a:r>
-            <a:endParaRPr lang="en-US" dirty="0" smtClean="0"/>
           </a:p>
           <a:p>
             <a:r>
@@ -7237,13 +7236,8 @@
             <a:pPr lvl="1"/>
             <a:r>
               <a:rPr lang="en-US" sz="1700" dirty="0" smtClean="0"/>
-              <a:t>Use CSS and JavaScript to make each of these subcomponents look nice to enhance usability. For example, a button that navigates to other subcomponents that changes color when the mouse hovers over it</a:t>
-            </a:r>
-            <a:r>
-              <a:rPr lang="en-US" sz="1700" dirty="0" smtClean="0"/>
-              <a:t>.</a:t>
-            </a:r>
-            <a:endParaRPr lang="en-US" sz="1700" dirty="0" smtClean="0"/>
+              <a:t>Use CSS and JavaScript to make each of these subcomponents look nice to enhance usability. For example, a button that navigates to other subcomponents that changes color when the mouse hovers over it.</a:t>
+            </a:r>
           </a:p>
         </p:txBody>
       </p:sp>

--- a/progressReportWinterTerm/SlidesForAlex.pptx
+++ b/progressReportWinterTerm/SlidesForAlex.pptx
@@ -6181,15 +6181,7 @@
           <a:p>
             <a:r>
               <a:rPr lang="en-US" dirty="0" smtClean="0"/>
-              <a:t>Responsibility </a:t>
-            </a:r>
-            <a:r>
-              <a:rPr lang="en-US" dirty="0" smtClean="0"/>
-              <a:t>#2: </a:t>
-            </a:r>
-            <a:r>
-              <a:rPr lang="en-US" dirty="0" smtClean="0"/>
-              <a:t>Screenshot, Purpose Page </a:t>
+              <a:t>Responsibility #2: Screenshot, Purpose Page </a:t>
             </a:r>
             <a:endParaRPr lang="en-US" dirty="0"/>
           </a:p>
@@ -6266,15 +6258,7 @@
           <a:p>
             <a:r>
               <a:rPr lang="en-US" dirty="0" smtClean="0"/>
-              <a:t>Responsibility </a:t>
-            </a:r>
-            <a:r>
-              <a:rPr lang="en-US" dirty="0" smtClean="0"/>
-              <a:t>#2: </a:t>
-            </a:r>
-            <a:r>
-              <a:rPr lang="en-US" dirty="0" smtClean="0"/>
-              <a:t>Screenshot, About Page</a:t>
+              <a:t>Responsibility #2: Screenshot, About Page</a:t>
             </a:r>
             <a:endParaRPr lang="en-US" dirty="0"/>
           </a:p>
